--- a/xmind/Slide For VIB/VIB_Part5a.pptx
+++ b/xmind/Slide For VIB/VIB_Part5a.pptx
@@ -3864,7 +3864,7 @@
           <a:p>
             <a:fld id="{D646A940-0B55-4A74-A322-77202D9E85AF}" type="datetimeFigureOut">
               <a:rPr lang="en-US" smtClean="0"/>
-              <a:t>7/22/2015</a:t>
+              <a:t>7/29/2015</a:t>
             </a:fld>
             <a:endParaRPr lang="en-US"/>
           </a:p>
@@ -4764,7 +4764,7 @@
           <a:p>
             <a:fld id="{DE232201-B8D7-452C-8AB1-80042270467A}" type="datetimeFigureOut">
               <a:rPr lang="en-US" smtClean="0"/>
-              <a:t>7/22/2015</a:t>
+              <a:t>7/29/2015</a:t>
             </a:fld>
             <a:endParaRPr lang="en-US"/>
           </a:p>
@@ -5065,7 +5065,7 @@
           <a:p>
             <a:fld id="{DE232201-B8D7-452C-8AB1-80042270467A}" type="datetimeFigureOut">
               <a:rPr lang="en-US" smtClean="0"/>
-              <a:t>7/22/2015</a:t>
+              <a:t>7/29/2015</a:t>
             </a:fld>
             <a:endParaRPr lang="en-US"/>
           </a:p>
@@ -5207,7 +5207,7 @@
           <a:p>
             <a:fld id="{DE232201-B8D7-452C-8AB1-80042270467A}" type="datetimeFigureOut">
               <a:rPr lang="en-US" smtClean="0"/>
-              <a:t>7/22/2015</a:t>
+              <a:t>7/29/2015</a:t>
             </a:fld>
             <a:endParaRPr lang="en-US"/>
           </a:p>
@@ -5319,7 +5319,7 @@
           <a:p>
             <a:fld id="{DE232201-B8D7-452C-8AB1-80042270467A}" type="datetimeFigureOut">
               <a:rPr lang="en-US" smtClean="0"/>
-              <a:t>7/22/2015</a:t>
+              <a:t>7/29/2015</a:t>
             </a:fld>
             <a:endParaRPr lang="en-US"/>
           </a:p>
@@ -5624,7 +5624,7 @@
           <a:p>
             <a:fld id="{DE232201-B8D7-452C-8AB1-80042270467A}" type="datetimeFigureOut">
               <a:rPr lang="en-US" smtClean="0"/>
-              <a:t>7/22/2015</a:t>
+              <a:t>7/29/2015</a:t>
             </a:fld>
             <a:endParaRPr lang="en-US"/>
           </a:p>
@@ -6086,7 +6086,7 @@
           <a:p>
             <a:fld id="{DE232201-B8D7-452C-8AB1-80042270467A}" type="datetimeFigureOut">
               <a:rPr lang="en-US" smtClean="0"/>
-              <a:t>7/22/2015</a:t>
+              <a:t>7/29/2015</a:t>
             </a:fld>
             <a:endParaRPr lang="en-US"/>
           </a:p>
@@ -6360,7 +6360,7 @@
           <a:p>
             <a:fld id="{DE232201-B8D7-452C-8AB1-80042270467A}" type="datetimeFigureOut">
               <a:rPr lang="en-US" smtClean="0"/>
-              <a:t>7/22/2015</a:t>
+              <a:t>7/29/2015</a:t>
             </a:fld>
             <a:endParaRPr lang="en-US"/>
           </a:p>
@@ -6680,7 +6680,7 @@
           <a:p>
             <a:fld id="{DE232201-B8D7-452C-8AB1-80042270467A}" type="datetimeFigureOut">
               <a:rPr lang="en-US" smtClean="0"/>
-              <a:t>7/22/2015</a:t>
+              <a:t>7/29/2015</a:t>
             </a:fld>
             <a:endParaRPr lang="en-US"/>
           </a:p>
@@ -11083,7 +11083,6 @@
               <a:rPr lang="en-US" dirty="0"/>
               <a:t>Disable XML External Entity </a:t>
             </a:r>
-            <a:endParaRPr lang="en-US" dirty="0"/>
           </a:p>
         </p:txBody>
       </p:sp>
@@ -12635,11 +12634,7 @@
             </a:r>
             <a:r>
               <a:rPr lang="en-US" smtClean="0"/>
-              <a:t>Part </a:t>
-            </a:r>
-            <a:r>
-              <a:rPr lang="en-US" smtClean="0"/>
-              <a:t>5</a:t>
+              <a:t>Part 5</a:t>
             </a:r>
             <a:endParaRPr lang="en-US" dirty="0"/>
           </a:p>
